--- a/seminarium/Głębokie-uczenie-maszynowe.pptx
+++ b/seminarium/Głębokie-uczenie-maszynowe.pptx
@@ -3460,7 +3460,7 @@
           <a:p>
             <a:fld id="{91CD0D37-E6BF-4D94-80AC-C5B2CD5CA726}" type="datetimeFigureOut">
               <a:rPr lang="pl-PL" smtClean="0"/>
-              <a:t>13.04.2018</a:t>
+              <a:t>26.05.2018</a:t>
             </a:fld>
             <a:endParaRPr lang="pl-PL"/>
           </a:p>
@@ -4249,6 +4249,276 @@
               <a:t>…i bardziej skomplikowana</a:t>
             </a:r>
           </a:p>
+          <a:p>
+            <a:pPr marL="171450" indent="-171450">
+              <a:buFontTx/>
+              <a:buChar char="-"/>
+            </a:pPr>
+            <a:r>
+              <a:rPr lang="pl-PL" dirty="0"/>
+              <a:t>Dzięki LRF mamy koncepcję przestrzenności. Dany neuron odpowiada jakiemuś regionowi, np. mamy obraz 28x28 i LRF 5x5, bierzemy pierwszy region 5x5m przyporządkowujemy pierwszemu  neuronowi pierwszej warstwy ukrytej, następnie przesuwamy LRF i mapujemy do kolejnego neuronu (offset to tzw. </a:t>
+            </a:r>
+            <a:r>
+              <a:rPr lang="pl-PL" dirty="0" err="1"/>
+              <a:t>stride</a:t>
+            </a:r>
+            <a:r>
+              <a:rPr lang="pl-PL" dirty="0"/>
+              <a:t> </a:t>
+            </a:r>
+            <a:r>
+              <a:rPr lang="pl-PL" dirty="0" err="1"/>
+              <a:t>length</a:t>
+            </a:r>
+            <a:r>
+              <a:rPr lang="pl-PL" dirty="0"/>
+              <a:t>); otrzymujemy zatem pierwszą warstwę ukrytą 24x24.</a:t>
+            </a:r>
+          </a:p>
+          <a:p>
+            <a:pPr marL="171450" indent="-171450">
+              <a:buFontTx/>
+              <a:buChar char="-"/>
+            </a:pPr>
+            <a:r>
+              <a:rPr lang="pl-PL" dirty="0"/>
+              <a:t>Wszystkie neurony w danej warstwie ukrytej wykrywają tą samą cechę!!!</a:t>
+            </a:r>
+          </a:p>
+          <a:p>
+            <a:pPr marL="171450" indent="-171450">
+              <a:buFontTx/>
+              <a:buChar char="-"/>
+            </a:pPr>
+            <a:r>
+              <a:rPr lang="pl-PL" dirty="0"/>
+              <a:t>W danej warstwie jest kilka filtrów (ile ich jest -&gt; ilość wyjść do sklasyfikowania? Mamy filtr 5x5, maskę np. do wykrywania krawędzi, mnożymy wartość pikseli przez jakieś wagi tego filtru 5x5 i dodajemy do siebie)</a:t>
+            </a:r>
+          </a:p>
+          <a:p>
+            <a:pPr marL="171450" indent="-171450">
+              <a:buFontTx/>
+              <a:buChar char="-"/>
+            </a:pPr>
+            <a:r>
+              <a:rPr lang="pl-PL" dirty="0"/>
+              <a:t>Kondensowanie – bierzemy regiony np. 2x2 i produkujemy filtr 12x12 np. maximum </a:t>
+            </a:r>
+            <a:r>
+              <a:rPr lang="pl-PL" dirty="0" err="1"/>
+              <a:t>pool</a:t>
+            </a:r>
+            <a:r>
+              <a:rPr lang="pl-PL" dirty="0"/>
+              <a:t> (najczęściej, bierzemy największą z 4 wartości) lub </a:t>
+            </a:r>
+            <a:r>
+              <a:rPr lang="pl-PL" dirty="0" err="1"/>
+              <a:t>averege</a:t>
+            </a:r>
+            <a:r>
+              <a:rPr lang="pl-PL" dirty="0"/>
+              <a:t> </a:t>
+            </a:r>
+            <a:r>
+              <a:rPr lang="pl-PL" dirty="0" err="1"/>
+              <a:t>pool</a:t>
+            </a:r>
+            <a:r>
+              <a:rPr lang="pl-PL" dirty="0"/>
+              <a:t> (średnią)</a:t>
+            </a:r>
+          </a:p>
+          <a:p>
+            <a:pPr marL="171450" indent="-171450">
+              <a:buFontTx/>
+              <a:buChar char="-"/>
+            </a:pPr>
+            <a:r>
+              <a:rPr lang="pl-PL" dirty="0"/>
+              <a:t>Potem znów </a:t>
+            </a:r>
+            <a:r>
+              <a:rPr lang="pl-PL" dirty="0" err="1"/>
+              <a:t>konwolucja</a:t>
+            </a:r>
+            <a:r>
+              <a:rPr lang="pl-PL" dirty="0"/>
+              <a:t>, kondensowanie itd. aż do otrzymania pojedynczych pikseli, ta ostatnia warstwa jest spłaszczana i na końcu otrzymujemy zwykłą sieć MLP – </a:t>
+            </a:r>
+            <a:r>
+              <a:rPr lang="pl-PL" dirty="0" err="1"/>
+              <a:t>wartswę</a:t>
+            </a:r>
+            <a:r>
+              <a:rPr lang="pl-PL" dirty="0"/>
+              <a:t> </a:t>
+            </a:r>
+            <a:r>
+              <a:rPr lang="pl-PL" dirty="0" err="1"/>
+              <a:t>fully</a:t>
+            </a:r>
+            <a:r>
+              <a:rPr lang="pl-PL" dirty="0"/>
+              <a:t> </a:t>
+            </a:r>
+            <a:r>
+              <a:rPr lang="pl-PL" dirty="0" err="1"/>
+              <a:t>connected</a:t>
+            </a:r>
+            <a:r>
+              <a:rPr lang="pl-PL" dirty="0"/>
+              <a:t> gdzie każdy </a:t>
+            </a:r>
+            <a:r>
+              <a:rPr lang="pl-PL" dirty="0" err="1"/>
+              <a:t>node</a:t>
+            </a:r>
+            <a:r>
+              <a:rPr lang="pl-PL" dirty="0"/>
+              <a:t> warstwy poprzedniej rzutuje na </a:t>
+            </a:r>
+            <a:r>
+              <a:rPr lang="pl-PL" dirty="0" err="1"/>
+              <a:t>node</a:t>
+            </a:r>
+            <a:r>
+              <a:rPr lang="pl-PL" dirty="0"/>
+              <a:t> tej warstwy; następnie mamy wyjścia czyli </a:t>
+            </a:r>
+            <a:r>
+              <a:rPr lang="pl-PL" dirty="0" err="1"/>
+              <a:t>softmax</a:t>
+            </a:r>
+            <a:r>
+              <a:rPr lang="pl-PL" dirty="0"/>
+              <a:t> </a:t>
+            </a:r>
+            <a:r>
+              <a:rPr lang="pl-PL" dirty="0" err="1"/>
+              <a:t>output</a:t>
+            </a:r>
+            <a:r>
+              <a:rPr lang="pl-PL" dirty="0"/>
+              <a:t>, np. dla rozpoznawania cyfr mamy 10 wyjść; jest to wektor z prawdopodobieństwem</a:t>
+            </a:r>
+          </a:p>
+          <a:p>
+            <a:pPr marL="171450" indent="-171450">
+              <a:buFontTx/>
+              <a:buChar char="-"/>
+            </a:pPr>
+            <a:r>
+              <a:rPr lang="pl-PL" dirty="0"/>
+              <a:t>Dodatkowo mamy tzw. </a:t>
+            </a:r>
+            <a:r>
+              <a:rPr lang="pl-PL" dirty="0" err="1"/>
+              <a:t>dropout</a:t>
+            </a:r>
+            <a:r>
+              <a:rPr lang="pl-PL" dirty="0"/>
+              <a:t> czyli usuwamy z grafu </a:t>
+            </a:r>
+            <a:r>
+              <a:rPr lang="pl-PL" dirty="0" err="1"/>
+              <a:t>nody</a:t>
+            </a:r>
+            <a:r>
+              <a:rPr lang="pl-PL" dirty="0"/>
+              <a:t> z jakimś tam prawdopodobieństwem i wszystkie ich połączenia</a:t>
+            </a:r>
+          </a:p>
+          <a:p>
+            <a:pPr marL="171450" indent="-171450">
+              <a:buFontTx/>
+              <a:buChar char="-"/>
+            </a:pPr>
+            <a:r>
+              <a:rPr lang="pl-PL" dirty="0"/>
+              <a:t>Dodatkowo po warstwie </a:t>
+            </a:r>
+            <a:r>
+              <a:rPr lang="pl-PL" dirty="0" err="1"/>
+              <a:t>maxpool</a:t>
+            </a:r>
+            <a:r>
+              <a:rPr lang="pl-PL" dirty="0"/>
+              <a:t> (czy </a:t>
+            </a:r>
+            <a:r>
+              <a:rPr lang="pl-PL" dirty="0" err="1"/>
+              <a:t>conv</a:t>
+            </a:r>
+            <a:r>
+              <a:rPr lang="pl-PL" dirty="0"/>
+              <a:t>??) może występować warstwa nieliniowa np. </a:t>
+            </a:r>
+            <a:r>
+              <a:rPr lang="pl-PL" dirty="0" err="1"/>
+              <a:t>ReLU</a:t>
+            </a:r>
+            <a:r>
+              <a:rPr lang="pl-PL" dirty="0"/>
+              <a:t> (</a:t>
+            </a:r>
+            <a:r>
+              <a:rPr lang="pl-PL" dirty="0" err="1"/>
+              <a:t>rectified</a:t>
+            </a:r>
+            <a:r>
+              <a:rPr lang="pl-PL" dirty="0"/>
+              <a:t> </a:t>
+            </a:r>
+            <a:r>
+              <a:rPr lang="pl-PL" dirty="0" err="1"/>
+              <a:t>linear</a:t>
+            </a:r>
+            <a:r>
+              <a:rPr lang="pl-PL" dirty="0"/>
+              <a:t> </a:t>
+            </a:r>
+            <a:r>
+              <a:rPr lang="pl-PL" dirty="0" err="1"/>
+              <a:t>units</a:t>
+            </a:r>
+            <a:r>
+              <a:rPr lang="pl-PL" dirty="0"/>
+              <a:t> – f(x) = max(x,0)), </a:t>
+            </a:r>
+            <a:r>
+              <a:rPr lang="pl-PL" dirty="0" err="1"/>
+              <a:t>sigmoidalna</a:t>
+            </a:r>
+            <a:r>
+              <a:rPr lang="pl-PL" dirty="0"/>
+              <a:t> funkcja aktywacji, </a:t>
+            </a:r>
+            <a:r>
+              <a:rPr lang="pl-PL" dirty="0" err="1"/>
+              <a:t>tanh</a:t>
+            </a:r>
+            <a:endParaRPr lang="pl-PL" dirty="0"/>
+          </a:p>
+          <a:p>
+            <a:pPr marL="171450" indent="-171450">
+              <a:buFontTx/>
+              <a:buChar char="-"/>
+            </a:pPr>
+            <a:r>
+              <a:rPr lang="pl-PL" dirty="0" err="1"/>
+              <a:t>Softmax</a:t>
+            </a:r>
+            <a:r>
+              <a:rPr lang="pl-PL" dirty="0"/>
+              <a:t> – funkcja która ma doprowadzić wyjścia do wartości między 0 </a:t>
+            </a:r>
+            <a:r>
+              <a:rPr lang="pl-PL"/>
+              <a:t>a 1</a:t>
+            </a:r>
+            <a:endParaRPr lang="pl-PL" dirty="0"/>
+          </a:p>
         </p:txBody>
       </p:sp>
       <p:sp>
@@ -5388,6 +5658,29 @@
             <a:r>
               <a:rPr lang="pl-PL" dirty="0"/>
               <a:t>HIERARCHIA POJĘĆ (cech)</a:t>
+            </a:r>
+          </a:p>
+          <a:p>
+            <a:pPr marL="0" marR="0" lvl="0" indent="0" algn="l" defTabSz="914400" rtl="0" eaLnBrk="1" fontAlgn="auto" latinLnBrk="0" hangingPunct="1">
+              <a:lnSpc>
+                <a:spcPct val="100000"/>
+              </a:lnSpc>
+              <a:spcBef>
+                <a:spcPts val="0"/>
+              </a:spcBef>
+              <a:spcAft>
+                <a:spcPts val="0"/>
+              </a:spcAft>
+              <a:buClrTx/>
+              <a:buSzTx/>
+              <a:buFontTx/>
+              <a:buNone/>
+              <a:tabLst/>
+              <a:defRPr/>
+            </a:pPr>
+            <a:r>
+              <a:rPr lang="pl-PL" dirty="0"/>
+              <a:t>Hierarchia pojęć pozwala komputerowi uczyć się skomplikowanych pojęć, budując je z prostszych; wykres tych hierarchii miałby wiele warstw głębokości. </a:t>
             </a:r>
           </a:p>
         </p:txBody>
@@ -7395,7 +7688,7 @@
             <a:fld id="{48A87A34-81AB-432B-8DAE-1953F412C126}" type="datetimeFigureOut">
               <a:rPr lang="en-US" dirty="0"/>
               <a:pPr/>
-              <a:t>4/13/2018</a:t>
+              <a:t>5/26/2018</a:t>
             </a:fld>
             <a:endParaRPr lang="en-US" dirty="0"/>
           </a:p>
@@ -8849,7 +9142,7 @@
           <a:p>
             <a:fld id="{48A87A34-81AB-432B-8DAE-1953F412C126}" type="datetimeFigureOut">
               <a:rPr lang="en-US" dirty="0"/>
-              <a:t>4/13/2018</a:t>
+              <a:t>5/26/2018</a:t>
             </a:fld>
             <a:endParaRPr lang="en-US" dirty="0"/>
           </a:p>
@@ -10297,7 +10590,7 @@
           <a:p>
             <a:fld id="{48A87A34-81AB-432B-8DAE-1953F412C126}" type="datetimeFigureOut">
               <a:rPr lang="en-US" dirty="0"/>
-              <a:t>4/13/2018</a:t>
+              <a:t>5/26/2018</a:t>
             </a:fld>
             <a:endParaRPr lang="en-US" dirty="0"/>
           </a:p>
@@ -11747,7 +12040,7 @@
           <a:p>
             <a:fld id="{48A87A34-81AB-432B-8DAE-1953F412C126}" type="datetimeFigureOut">
               <a:rPr lang="en-US" dirty="0"/>
-              <a:t>4/13/2018</a:t>
+              <a:t>5/26/2018</a:t>
             </a:fld>
             <a:endParaRPr lang="en-US" dirty="0"/>
           </a:p>
@@ -13250,7 +13543,7 @@
           <a:p>
             <a:fld id="{48A87A34-81AB-432B-8DAE-1953F412C126}" type="datetimeFigureOut">
               <a:rPr lang="en-US" dirty="0"/>
-              <a:t>4/13/2018</a:t>
+              <a:t>5/26/2018</a:t>
             </a:fld>
             <a:endParaRPr lang="en-US" dirty="0"/>
           </a:p>
@@ -14766,7 +15059,7 @@
           <a:p>
             <a:fld id="{48A87A34-81AB-432B-8DAE-1953F412C126}" type="datetimeFigureOut">
               <a:rPr lang="en-US" dirty="0"/>
-              <a:t>4/13/2018</a:t>
+              <a:t>5/26/2018</a:t>
             </a:fld>
             <a:endParaRPr lang="en-US" dirty="0"/>
           </a:p>
@@ -16426,7 +16719,7 @@
           <a:p>
             <a:fld id="{48A87A34-81AB-432B-8DAE-1953F412C126}" type="datetimeFigureOut">
               <a:rPr lang="en-US" dirty="0"/>
-              <a:t>4/13/2018</a:t>
+              <a:t>5/26/2018</a:t>
             </a:fld>
             <a:endParaRPr lang="en-US" dirty="0"/>
           </a:p>
@@ -17819,7 +18112,7 @@
           <a:p>
             <a:fld id="{48A87A34-81AB-432B-8DAE-1953F412C126}" type="datetimeFigureOut">
               <a:rPr lang="en-US" dirty="0"/>
-              <a:t>4/13/2018</a:t>
+              <a:t>5/26/2018</a:t>
             </a:fld>
             <a:endParaRPr lang="en-US" dirty="0"/>
           </a:p>
@@ -17914,7 +18207,7 @@
           <a:p>
             <a:fld id="{48A87A34-81AB-432B-8DAE-1953F412C126}" type="datetimeFigureOut">
               <a:rPr lang="en-US" dirty="0"/>
-              <a:t>4/13/2018</a:t>
+              <a:t>5/26/2018</a:t>
             </a:fld>
             <a:endParaRPr lang="en-US" dirty="0"/>
           </a:p>
@@ -19435,7 +19728,7 @@
           <a:p>
             <a:fld id="{48A87A34-81AB-432B-8DAE-1953F412C126}" type="datetimeFigureOut">
               <a:rPr lang="en-US" dirty="0"/>
-              <a:t>4/13/2018</a:t>
+              <a:t>5/26/2018</a:t>
             </a:fld>
             <a:endParaRPr lang="en-US" dirty="0"/>
           </a:p>
@@ -20966,7 +21259,7 @@
           <a:p>
             <a:fld id="{48A87A34-81AB-432B-8DAE-1953F412C126}" type="datetimeFigureOut">
               <a:rPr lang="en-US" dirty="0"/>
-              <a:t>4/13/2018</a:t>
+              <a:t>5/26/2018</a:t>
             </a:fld>
             <a:endParaRPr lang="en-US" dirty="0"/>
           </a:p>
@@ -21212,7 +21505,7 @@
             <a:fld id="{48A87A34-81AB-432B-8DAE-1953F412C126}" type="datetimeFigureOut">
               <a:rPr lang="en-US" dirty="0"/>
               <a:pPr/>
-              <a:t>4/13/2018</a:t>
+              <a:t>5/26/2018</a:t>
             </a:fld>
             <a:endParaRPr lang="en-US" dirty="0"/>
           </a:p>
@@ -21698,8 +21991,16 @@
           <a:p>
             <a:r>
               <a:rPr lang="pl-PL" dirty="0"/>
-              <a:t>Główne zasady</a:t>
-            </a:r>
+              <a:t>Alicja </a:t>
+            </a:r>
+            <a:r>
+              <a:rPr lang="pl-PL" dirty="0" err="1"/>
+              <a:t>Kapiszka</a:t>
+            </a:r>
+            <a:endParaRPr lang="pl-PL" dirty="0"/>
+          </a:p>
+          <a:p>
+            <a:endParaRPr lang="pl-PL" dirty="0"/>
           </a:p>
         </p:txBody>
       </p:sp>
@@ -22852,7 +23153,7 @@
             <a:pPr lvl="1"/>
             <a:r>
               <a:rPr lang="pl-PL" sz="1800" dirty="0" err="1"/>
-              <a:t>Kowolucja</a:t>
+              <a:t>Konwolucja</a:t>
             </a:r>
             <a:r>
               <a:rPr lang="pl-PL" sz="1800" dirty="0"/>
@@ -24312,7 +24613,7 @@
           <a:p>
             <a:r>
               <a:rPr lang="pl-PL" dirty="0"/>
-              <a:t>Głębokie uczenie maszynowe zostało zainspirowane strukturą i funkcją ludzkieog mózgu, mianowicie połączeniem wielu neuronów. </a:t>
+              <a:t>Głębokie uczenie maszynowe zostało zainspirowane strukturą i funkcją ludzkiego mózgu, mianowicie połączeniem wielu neuronów. </a:t>
             </a:r>
           </a:p>
           <a:p>
@@ -24482,7 +24783,7 @@
           <a:p>
             <a:r>
               <a:rPr lang="pl-PL" dirty="0"/>
-              <a:t>Głębokie uczenie się jest formą uczenia maszynowego, która pozwala komputerom uczyć się na doświadczeniu i rozumieć świat w kategoriach hierarchii pojęć. </a:t>
+              <a:t>Głębokie uczenie jest formą uczenia maszynowego, która pozwala komputerom uczyć się na doświadczeniu i rozumieć świat w kategoriach hierarchii pojęć. </a:t>
             </a:r>
           </a:p>
           <a:p>
@@ -24676,7 +24977,7 @@
           <a:p>
             <a:r>
               <a:rPr lang="pl-PL" dirty="0"/>
-              <a:t>Brak konieczności projektowania algorytmów wydorębnienia cech (feature extraction), które są skomplikowane i nie zawsze dokładne, a następnie dodatkowego modelu klasyfikacji danych – w uczeniu maszynowym wystarczy stworzyć jeden model do obu tych funkcji.</a:t>
+              <a:t>Brak konieczności projektowania algorytmów wydorębnienia cech (feature extraction), które są skomplikowane i nie zawsze dokładne, a następnie dodatkowego modelu klasyfikacji danych – w głębokim uczeniu maszynowym wystarczy stworzyć jeden model do obu tych funkcji.</a:t>
             </a:r>
           </a:p>
           <a:p>
